--- a/interval analysis.pptx
+++ b/interval analysis.pptx
@@ -3350,7 +3350,7 @@
           <a:p>
             <a:r>
               <a:rPr lang="en-US" sz="3600" dirty="0"/>
-              <a:t>Natural language processing to determining frontiers in artificial intelligence based medical diagnosis using NIH award data</a:t>
+              <a:t>Natural language processing to determine frontiers in AI-based medical diagnosis using NIH award data</a:t>
             </a:r>
           </a:p>
         </p:txBody>
@@ -3457,10 +3457,15 @@
             <p:ph sz="half" idx="1"/>
           </p:nvPr>
         </p:nvSpPr>
-        <p:spPr/>
+        <p:spPr>
+          <a:xfrm>
+            <a:off x="838200" y="1825625"/>
+            <a:ext cx="5181600" cy="4667250"/>
+          </a:xfrm>
+        </p:spPr>
         <p:txBody>
           <a:bodyPr>
-            <a:normAutofit fontScale="92500"/>
+            <a:normAutofit fontScale="92500" lnSpcReduction="20000"/>
           </a:bodyPr>
           <a:lstStyle/>
           <a:p>
@@ -3487,7 +3492,28 @@
           <a:p>
             <a:r>
               <a:rPr lang="en-US" dirty="0"/>
-              <a:t>Unsupervised NLP to generate categories - K means</a:t>
+              <a:t>Unsupervised NLP to generate categories</a:t>
+            </a:r>
+          </a:p>
+          <a:p>
+            <a:pPr lvl="1"/>
+            <a:r>
+              <a:rPr lang="en-US" dirty="0"/>
+              <a:t>K means</a:t>
+            </a:r>
+          </a:p>
+          <a:p>
+            <a:pPr lvl="1"/>
+            <a:r>
+              <a:rPr lang="en-US" dirty="0"/>
+              <a:t>Combine abstract + title + project relevance as input</a:t>
+            </a:r>
+          </a:p>
+          <a:p>
+            <a:pPr lvl="1"/>
+            <a:r>
+              <a:rPr lang="en-US" dirty="0"/>
+              <a:t>Train with top 200 word features</a:t>
             </a:r>
           </a:p>
           <a:p>
@@ -3522,7 +3548,7 @@
         </p:blipFill>
         <p:spPr>
           <a:xfrm>
-            <a:off x="6172200" y="2208213"/>
+            <a:off x="6391656" y="2116773"/>
             <a:ext cx="5181600" cy="3586162"/>
           </a:xfrm>
           <a:prstGeom prst="rect">
@@ -3576,14 +3602,14 @@
             <p:ph idx="1"/>
             <p:extLst>
               <p:ext uri="{D42A27DB-BD31-4B8C-83A1-F6EECF244321}">
-                <p14:modId xmlns:p14="http://schemas.microsoft.com/office/powerpoint/2010/main" val="567030066"/>
+                <p14:modId xmlns:p14="http://schemas.microsoft.com/office/powerpoint/2010/main" val="1615292807"/>
               </p:ext>
             </p:extLst>
           </p:nvPr>
         </p:nvGraphicFramePr>
         <p:xfrm>
-          <a:off x="0" y="0"/>
-          <a:ext cx="12216384" cy="6858004"/>
+          <a:off x="0" y="228600"/>
+          <a:ext cx="12192000" cy="6400800"/>
         </p:xfrm>
         <a:graphic>
           <a:graphicData uri="http://schemas.openxmlformats.org/drawingml/2006/table">
@@ -3592,28 +3618,28 @@
                 <a:tableStyleId>{5C22544A-7EE6-4342-B048-85BDC9FD1C3A}</a:tableStyleId>
               </a:tblPr>
               <a:tblGrid>
-                <a:gridCol w="640080">
+                <a:gridCol w="638801">
                   <a:extLst>
                     <a:ext uri="{9D8B030D-6E8A-4147-A177-3AD203B41FA5}">
                       <a16:colId xmlns:a16="http://schemas.microsoft.com/office/drawing/2014/main" val="3855005125"/>
                     </a:ext>
                   </a:extLst>
                 </a:gridCol>
-                <a:gridCol w="1719072">
+                <a:gridCol w="1715642">
                   <a:extLst>
                     <a:ext uri="{9D8B030D-6E8A-4147-A177-3AD203B41FA5}">
                       <a16:colId xmlns:a16="http://schemas.microsoft.com/office/drawing/2014/main" val="3106068626"/>
                     </a:ext>
                   </a:extLst>
                 </a:gridCol>
-                <a:gridCol w="658368">
+                <a:gridCol w="657054">
                   <a:extLst>
                     <a:ext uri="{9D8B030D-6E8A-4147-A177-3AD203B41FA5}">
                       <a16:colId xmlns:a16="http://schemas.microsoft.com/office/drawing/2014/main" val="2109337330"/>
                     </a:ext>
                   </a:extLst>
                 </a:gridCol>
-                <a:gridCol w="9198864">
+                <a:gridCol w="9180503">
                   <a:extLst>
                     <a:ext uri="{9D8B030D-6E8A-4147-A177-3AD203B41FA5}">
                       <a16:colId xmlns:a16="http://schemas.microsoft.com/office/drawing/2014/main" val="3836163888"/>
@@ -3621,7 +3647,7 @@
                   </a:extLst>
                 </a:gridCol>
               </a:tblGrid>
-              <a:tr h="278196">
+              <a:tr h="233564">
                 <a:tc>
                   <a:txBody>
                     <a:bodyPr/>
@@ -3680,7 +3706,7 @@
                   </a:ext>
                 </a:extLst>
               </a:tr>
-              <a:tr h="463660">
+              <a:tr h="389273">
                 <a:tc>
                   <a:txBody>
                     <a:bodyPr/>
@@ -3756,7 +3782,7 @@
                   </a:ext>
                 </a:extLst>
               </a:tr>
-              <a:tr h="463660">
+              <a:tr h="389273">
                 <a:tc>
                   <a:txBody>
                     <a:bodyPr/>
@@ -3832,7 +3858,7 @@
                   </a:ext>
                 </a:extLst>
               </a:tr>
-              <a:tr h="463660">
+              <a:tr h="389273">
                 <a:tc>
                   <a:txBody>
                     <a:bodyPr/>
@@ -3891,7 +3917,7 @@
                   </a:ext>
                 </a:extLst>
               </a:tr>
-              <a:tr h="463660">
+              <a:tr h="389273">
                 <a:tc>
                   <a:txBody>
                     <a:bodyPr/>
@@ -3967,7 +3993,7 @@
                   </a:ext>
                 </a:extLst>
               </a:tr>
-              <a:tr h="369887">
+              <a:tr h="233564">
                 <a:tc>
                   <a:txBody>
                     <a:bodyPr/>
@@ -4051,7 +4077,7 @@
                   </a:ext>
                 </a:extLst>
               </a:tr>
-              <a:tr h="369887">
+              <a:tr h="233564">
                 <a:tc>
                   <a:txBody>
                     <a:bodyPr/>
@@ -4127,7 +4153,7 @@
                   </a:ext>
                 </a:extLst>
               </a:tr>
-              <a:tr h="463660">
+              <a:tr h="389273">
                 <a:tc>
                   <a:txBody>
                     <a:bodyPr/>
@@ -4203,7 +4229,7 @@
                   </a:ext>
                 </a:extLst>
               </a:tr>
-              <a:tr h="463660">
+              <a:tr h="389273">
                 <a:tc>
                   <a:txBody>
                     <a:bodyPr/>
@@ -4287,7 +4313,7 @@
                   </a:ext>
                 </a:extLst>
               </a:tr>
-              <a:tr h="463660">
+              <a:tr h="389273">
                 <a:tc>
                   <a:txBody>
                     <a:bodyPr/>
@@ -4363,7 +4389,7 @@
                   </a:ext>
                 </a:extLst>
               </a:tr>
-              <a:tr h="463660">
+              <a:tr h="389273">
                 <a:tc>
                   <a:txBody>
                     <a:bodyPr/>
@@ -4447,7 +4473,7 @@
                   </a:ext>
                 </a:extLst>
               </a:tr>
-              <a:tr h="463660">
+              <a:tr h="389273">
                 <a:tc>
                   <a:txBody>
                     <a:bodyPr/>
@@ -4523,7 +4549,7 @@
                   </a:ext>
                 </a:extLst>
               </a:tr>
-              <a:tr h="369887">
+              <a:tr h="233564">
                 <a:tc>
                   <a:txBody>
                     <a:bodyPr/>
@@ -4582,7 +4608,7 @@
                   </a:ext>
                 </a:extLst>
               </a:tr>
-              <a:tr h="463660">
+              <a:tr h="389273">
                 <a:tc>
                   <a:txBody>
                     <a:bodyPr/>
@@ -4658,7 +4684,7 @@
                   </a:ext>
                 </a:extLst>
               </a:tr>
-              <a:tr h="463660">
+              <a:tr h="389273">
                 <a:tc>
                   <a:txBody>
                     <a:bodyPr/>
@@ -4734,7 +4760,7 @@
                   </a:ext>
                 </a:extLst>
               </a:tr>
-              <a:tr h="369887">
+              <a:tr h="233564">
                 <a:tc>
                   <a:txBody>
                     <a:bodyPr/>
